--- a/intel_tech predators.pptx
+++ b/intel_tech predators.pptx
@@ -16596,6 +16596,36 @@
           </a:p>
         </p:txBody>
       </p:sp>
+      <p:pic>
+        <p:nvPicPr>
+          <p:cNvPr id="3" name="Picture 2">
+            <a:extLst>
+              <a:ext uri="{FF2B5EF4-FFF2-40B4-BE49-F238E27FC236}">
+                <a16:creationId xmlns:a16="http://schemas.microsoft.com/office/drawing/2014/main" id="{DC0F5718-2087-0C7D-30D6-A4B5274BF117}"/>
+              </a:ext>
+            </a:extLst>
+          </p:cNvPr>
+          <p:cNvPicPr>
+            <a:picLocks noChangeAspect="1"/>
+          </p:cNvPicPr>
+          <p:nvPr/>
+        </p:nvPicPr>
+        <p:blipFill>
+          <a:blip r:embed="rId5"/>
+          <a:stretch>
+            <a:fillRect/>
+          </a:stretch>
+        </p:blipFill>
+        <p:spPr>
+          <a:xfrm>
+            <a:off x="2211676" y="1097026"/>
+            <a:ext cx="4216150" cy="3535240"/>
+          </a:xfrm>
+          <a:prstGeom prst="rect">
+            <a:avLst/>
+          </a:prstGeom>
+        </p:spPr>
+      </p:pic>
     </p:spTree>
   </p:cSld>
   <p:clrMapOvr>
@@ -17194,6 +17224,36 @@
           </a:p>
         </p:txBody>
       </p:sp>
+      <p:pic>
+        <p:nvPicPr>
+          <p:cNvPr id="3" name="Picture 2">
+            <a:extLst>
+              <a:ext uri="{FF2B5EF4-FFF2-40B4-BE49-F238E27FC236}">
+                <a16:creationId xmlns:a16="http://schemas.microsoft.com/office/drawing/2014/main" id="{1B0FB8C3-FD49-A662-A689-6F637A3D10DB}"/>
+              </a:ext>
+            </a:extLst>
+          </p:cNvPr>
+          <p:cNvPicPr>
+            <a:picLocks noChangeAspect="1"/>
+          </p:cNvPicPr>
+          <p:nvPr/>
+        </p:nvPicPr>
+        <p:blipFill>
+          <a:blip r:embed="rId5"/>
+          <a:stretch>
+            <a:fillRect/>
+          </a:stretch>
+        </p:blipFill>
+        <p:spPr>
+          <a:xfrm>
+            <a:off x="1252231" y="1306543"/>
+            <a:ext cx="6310713" cy="3328321"/>
+          </a:xfrm>
+          <a:prstGeom prst="rect">
+            <a:avLst/>
+          </a:prstGeom>
+        </p:spPr>
+      </p:pic>
     </p:spTree>
   </p:cSld>
   <p:clrMapOvr>
